--- a/Prezentimi per SMT.pptx
+++ b/Prezentimi per SMT.pptx
@@ -869,7 +869,7 @@
           <a:p>
             <a:fld id="{B514E90D-5F94-45E2-A996-1F0D19B6D5AD}" type="datetimeFigureOut">
               <a:rPr lang="en-US" smtClean="0"/>
-              <a:t>6/3/2025</a:t>
+              <a:t>6/7/2025</a:t>
             </a:fld>
             <a:endParaRPr lang="en-US"/>
           </a:p>
@@ -1120,7 +1120,7 @@
           <a:p>
             <a:fld id="{B514E90D-5F94-45E2-A996-1F0D19B6D5AD}" type="datetimeFigureOut">
               <a:rPr lang="en-US" smtClean="0"/>
-              <a:t>6/3/2025</a:t>
+              <a:t>6/7/2025</a:t>
             </a:fld>
             <a:endParaRPr lang="en-US"/>
           </a:p>
@@ -1434,7 +1434,7 @@
           <a:p>
             <a:fld id="{B514E90D-5F94-45E2-A996-1F0D19B6D5AD}" type="datetimeFigureOut">
               <a:rPr lang="en-US" smtClean="0"/>
-              <a:t>6/3/2025</a:t>
+              <a:t>6/7/2025</a:t>
             </a:fld>
             <a:endParaRPr lang="en-US"/>
           </a:p>
@@ -1767,7 +1767,7 @@
           <a:p>
             <a:fld id="{B514E90D-5F94-45E2-A996-1F0D19B6D5AD}" type="datetimeFigureOut">
               <a:rPr lang="en-US" smtClean="0"/>
-              <a:t>6/3/2025</a:t>
+              <a:t>6/7/2025</a:t>
             </a:fld>
             <a:endParaRPr lang="en-US"/>
           </a:p>
@@ -2081,7 +2081,7 @@
           <a:p>
             <a:fld id="{B514E90D-5F94-45E2-A996-1F0D19B6D5AD}" type="datetimeFigureOut">
               <a:rPr lang="en-US" smtClean="0"/>
-              <a:t>6/3/2025</a:t>
+              <a:t>6/7/2025</a:t>
             </a:fld>
             <a:endParaRPr lang="en-US"/>
           </a:p>
@@ -2474,7 +2474,7 @@
           <a:p>
             <a:fld id="{B514E90D-5F94-45E2-A996-1F0D19B6D5AD}" type="datetimeFigureOut">
               <a:rPr lang="en-US" smtClean="0"/>
-              <a:t>6/3/2025</a:t>
+              <a:t>6/7/2025</a:t>
             </a:fld>
             <a:endParaRPr lang="en-US"/>
           </a:p>
@@ -2644,7 +2644,7 @@
           <a:p>
             <a:fld id="{B514E90D-5F94-45E2-A996-1F0D19B6D5AD}" type="datetimeFigureOut">
               <a:rPr lang="en-US" smtClean="0"/>
-              <a:t>6/3/2025</a:t>
+              <a:t>6/7/2025</a:t>
             </a:fld>
             <a:endParaRPr lang="en-US"/>
           </a:p>
@@ -2824,7 +2824,7 @@
           <a:p>
             <a:fld id="{B514E90D-5F94-45E2-A996-1F0D19B6D5AD}" type="datetimeFigureOut">
               <a:rPr lang="en-US" smtClean="0"/>
-              <a:t>6/3/2025</a:t>
+              <a:t>6/7/2025</a:t>
             </a:fld>
             <a:endParaRPr lang="en-US"/>
           </a:p>
@@ -2994,7 +2994,7 @@
           <a:p>
             <a:fld id="{B514E90D-5F94-45E2-A996-1F0D19B6D5AD}" type="datetimeFigureOut">
               <a:rPr lang="en-US" smtClean="0"/>
-              <a:t>6/3/2025</a:t>
+              <a:t>6/7/2025</a:t>
             </a:fld>
             <a:endParaRPr lang="en-US"/>
           </a:p>
@@ -3241,7 +3241,7 @@
           <a:p>
             <a:fld id="{B514E90D-5F94-45E2-A996-1F0D19B6D5AD}" type="datetimeFigureOut">
               <a:rPr lang="en-US" smtClean="0"/>
-              <a:t>6/3/2025</a:t>
+              <a:t>6/7/2025</a:t>
             </a:fld>
             <a:endParaRPr lang="en-US"/>
           </a:p>
@@ -3473,7 +3473,7 @@
           <a:p>
             <a:fld id="{B514E90D-5F94-45E2-A996-1F0D19B6D5AD}" type="datetimeFigureOut">
               <a:rPr lang="en-US" smtClean="0"/>
-              <a:t>6/3/2025</a:t>
+              <a:t>6/7/2025</a:t>
             </a:fld>
             <a:endParaRPr lang="en-US"/>
           </a:p>
@@ -3847,7 +3847,7 @@
           <a:p>
             <a:fld id="{B514E90D-5F94-45E2-A996-1F0D19B6D5AD}" type="datetimeFigureOut">
               <a:rPr lang="en-US" smtClean="0"/>
-              <a:t>6/3/2025</a:t>
+              <a:t>6/7/2025</a:t>
             </a:fld>
             <a:endParaRPr lang="en-US"/>
           </a:p>
@@ -3970,7 +3970,7 @@
           <a:p>
             <a:fld id="{B514E90D-5F94-45E2-A996-1F0D19B6D5AD}" type="datetimeFigureOut">
               <a:rPr lang="en-US" smtClean="0"/>
-              <a:t>6/3/2025</a:t>
+              <a:t>6/7/2025</a:t>
             </a:fld>
             <a:endParaRPr lang="en-US"/>
           </a:p>
@@ -4065,7 +4065,7 @@
           <a:p>
             <a:fld id="{B514E90D-5F94-45E2-A996-1F0D19B6D5AD}" type="datetimeFigureOut">
               <a:rPr lang="en-US" smtClean="0"/>
-              <a:t>6/3/2025</a:t>
+              <a:t>6/7/2025</a:t>
             </a:fld>
             <a:endParaRPr lang="en-US"/>
           </a:p>
@@ -4320,7 +4320,7 @@
           <a:p>
             <a:fld id="{B514E90D-5F94-45E2-A996-1F0D19B6D5AD}" type="datetimeFigureOut">
               <a:rPr lang="en-US" smtClean="0"/>
-              <a:t>6/3/2025</a:t>
+              <a:t>6/7/2025</a:t>
             </a:fld>
             <a:endParaRPr lang="en-US"/>
           </a:p>
@@ -4625,7 +4625,7 @@
           <a:p>
             <a:fld id="{B514E90D-5F94-45E2-A996-1F0D19B6D5AD}" type="datetimeFigureOut">
               <a:rPr lang="en-US" smtClean="0"/>
-              <a:t>6/3/2025</a:t>
+              <a:t>6/7/2025</a:t>
             </a:fld>
             <a:endParaRPr lang="en-US"/>
           </a:p>
@@ -5327,7 +5327,7 @@
           <a:p>
             <a:fld id="{B514E90D-5F94-45E2-A996-1F0D19B6D5AD}" type="datetimeFigureOut">
               <a:rPr lang="en-US" smtClean="0"/>
-              <a:t>6/3/2025</a:t>
+              <a:t>6/7/2025</a:t>
             </a:fld>
             <a:endParaRPr lang="en-US"/>
           </a:p>
@@ -9606,41 +9606,32 @@
       </p:sp>
       <p:pic>
         <p:nvPicPr>
-          <p:cNvPr id="6" name="Picture 5">
+          <p:cNvPr id="9" name="Picture 8">
             <a:extLst>
               <a:ext uri="{FF2B5EF4-FFF2-40B4-BE49-F238E27FC236}">
-                <a16:creationId xmlns:a16="http://schemas.microsoft.com/office/drawing/2014/main" id="{D45EE4C1-2604-4474-9BE0-809AD6F6DA08}"/>
+                <a16:creationId xmlns:a16="http://schemas.microsoft.com/office/drawing/2014/main" id="{A34D187A-AE9A-4800-92A3-832BA23EEF0F}"/>
               </a:ext>
             </a:extLst>
           </p:cNvPr>
-          <p:cNvPicPr/>
+          <p:cNvPicPr>
+            <a:picLocks noChangeAspect="1"/>
+          </p:cNvPicPr>
           <p:nvPr/>
         </p:nvPicPr>
         <p:blipFill>
-          <a:blip r:embed="rId2" cstate="print">
-            <a:extLst>
-              <a:ext uri="{28A0092B-C50C-407E-A947-70E740481C1C}">
-                <a14:useLocalDpi xmlns:a14="http://schemas.microsoft.com/office/drawing/2010/main" val="0"/>
-              </a:ext>
-            </a:extLst>
-          </a:blip>
-          <a:srcRect/>
+          <a:blip r:embed="rId2"/>
           <a:stretch>
             <a:fillRect/>
           </a:stretch>
         </p:blipFill>
-        <p:spPr bwMode="auto">
+        <p:spPr>
           <a:xfrm>
-            <a:off x="1885950" y="2819400"/>
-            <a:ext cx="8848725" cy="2733675"/>
+            <a:off x="1409700" y="2938462"/>
+            <a:ext cx="8915400" cy="2085975"/>
           </a:xfrm>
           <a:prstGeom prst="rect">
             <a:avLst/>
           </a:prstGeom>
-          <a:noFill/>
-          <a:ln>
-            <a:noFill/>
-          </a:ln>
         </p:spPr>
       </p:pic>
     </p:spTree>
@@ -9861,105 +9852,6 @@
                                               <p:pRg st="2" end="2"/>
                                             </p:txEl>
                                           </p:spTgt>
-                                        </p:tgtEl>
-                                      </p:cBhvr>
-                                    </p:animEffect>
-                                  </p:childTnLst>
-                                </p:cTn>
-                              </p:par>
-                            </p:childTnLst>
-                          </p:cTn>
-                        </p:par>
-                      </p:childTnLst>
-                    </p:cTn>
-                  </p:par>
-                  <p:par>
-                    <p:cTn id="15" fill="hold">
-                      <p:stCondLst>
-                        <p:cond delay="indefinite"/>
-                      </p:stCondLst>
-                      <p:childTnLst>
-                        <p:par>
-                          <p:cTn id="16" fill="hold">
-                            <p:stCondLst>
-                              <p:cond delay="0"/>
-                            </p:stCondLst>
-                            <p:childTnLst>
-                              <p:par>
-                                <p:cTn id="17" presetID="53" presetClass="entr" presetSubtype="16" fill="hold" nodeType="clickEffect">
-                                  <p:stCondLst>
-                                    <p:cond delay="0"/>
-                                  </p:stCondLst>
-                                  <p:childTnLst>
-                                    <p:set>
-                                      <p:cBhvr>
-                                        <p:cTn id="18" dur="1" fill="hold">
-                                          <p:stCondLst>
-                                            <p:cond delay="0"/>
-                                          </p:stCondLst>
-                                        </p:cTn>
-                                        <p:tgtEl>
-                                          <p:spTgt spid="6"/>
-                                        </p:tgtEl>
-                                        <p:attrNameLst>
-                                          <p:attrName>style.visibility</p:attrName>
-                                        </p:attrNameLst>
-                                      </p:cBhvr>
-                                      <p:to>
-                                        <p:strVal val="visible"/>
-                                      </p:to>
-                                    </p:set>
-                                    <p:anim calcmode="lin" valueType="num">
-                                      <p:cBhvr>
-                                        <p:cTn id="19" dur="500" fill="hold"/>
-                                        <p:tgtEl>
-                                          <p:spTgt spid="6"/>
-                                        </p:tgtEl>
-                                        <p:attrNameLst>
-                                          <p:attrName>ppt_w</p:attrName>
-                                        </p:attrNameLst>
-                                      </p:cBhvr>
-                                      <p:tavLst>
-                                        <p:tav tm="0">
-                                          <p:val>
-                                            <p:fltVal val="0"/>
-                                          </p:val>
-                                        </p:tav>
-                                        <p:tav tm="100000">
-                                          <p:val>
-                                            <p:strVal val="#ppt_w"/>
-                                          </p:val>
-                                        </p:tav>
-                                      </p:tavLst>
-                                    </p:anim>
-                                    <p:anim calcmode="lin" valueType="num">
-                                      <p:cBhvr>
-                                        <p:cTn id="20" dur="500" fill="hold"/>
-                                        <p:tgtEl>
-                                          <p:spTgt spid="6"/>
-                                        </p:tgtEl>
-                                        <p:attrNameLst>
-                                          <p:attrName>ppt_h</p:attrName>
-                                        </p:attrNameLst>
-                                      </p:cBhvr>
-                                      <p:tavLst>
-                                        <p:tav tm="0">
-                                          <p:val>
-                                            <p:fltVal val="0"/>
-                                          </p:val>
-                                        </p:tav>
-                                        <p:tav tm="100000">
-                                          <p:val>
-                                            <p:strVal val="#ppt_h"/>
-                                          </p:val>
-                                        </p:tav>
-                                      </p:tavLst>
-                                    </p:anim>
-                                    <p:animEffect transition="in" filter="fade">
-                                      <p:cBhvr>
-                                        <p:cTn id="21" dur="500"/>
-                                        <p:tgtEl>
-                                          <p:spTgt spid="6"/>
                                         </p:tgtEl>
                                       </p:cBhvr>
                                     </p:animEffect>
